--- a/带你了解前端.pptx
+++ b/带你了解前端.pptx
@@ -24216,6 +24216,30 @@
           <a:chExt cx="0" cy="0"/>
         </a:xfrm>
       </p:grpSpPr>
+      <p:pic>
+        <p:nvPicPr>
+          <p:cNvPr id="2" name="图片 1" descr="前端技术栈"/>
+          <p:cNvPicPr>
+            <a:picLocks noChangeAspect="1"/>
+          </p:cNvPicPr>
+          <p:nvPr/>
+        </p:nvPicPr>
+        <p:blipFill>
+          <a:blip r:embed="rId1"/>
+          <a:stretch>
+            <a:fillRect/>
+          </a:stretch>
+        </p:blipFill>
+        <p:spPr>
+          <a:xfrm>
+            <a:off x="477520" y="12065"/>
+            <a:ext cx="4266565" cy="6181090"/>
+          </a:xfrm>
+          <a:prstGeom prst="rect">
+            <a:avLst/>
+          </a:prstGeom>
+        </p:spPr>
+      </p:pic>
     </p:spTree>
   </p:cSld>
   <p:clrMapOvr>
